--- a/PPT/Big Project Presentation.pptx
+++ b/PPT/Big Project Presentation.pptx
@@ -9171,9 +9171,59 @@
           </a:prstGeom>
         </p:spPr>
       </p:pic>
+      <p:pic>
+        <p:nvPicPr>
+          <p:cNvPr id="4" name="Picture 3"/>
+          <p:cNvPicPr>
+            <a:picLocks noChangeAspect="1"/>
+          </p:cNvPicPr>
+          <p:nvPr/>
+        </p:nvPicPr>
+        <p:blipFill>
+          <a:blip r:embed="rId5"/>
+          <a:srcRect r="36230"/>
+          <a:stretch>
+            <a:fillRect/>
+          </a:stretch>
+        </p:blipFill>
+        <p:spPr>
+          <a:xfrm>
+            <a:off x="516255" y="800100"/>
+            <a:ext cx="3201035" cy="1933575"/>
+          </a:xfrm>
+          <a:prstGeom prst="rect">
+            <a:avLst/>
+          </a:prstGeom>
+        </p:spPr>
+      </p:pic>
+      <p:pic>
+        <p:nvPicPr>
+          <p:cNvPr id="5" name="Picture 4"/>
+          <p:cNvPicPr>
+            <a:picLocks noChangeAspect="1"/>
+          </p:cNvPicPr>
+          <p:nvPr/>
+        </p:nvPicPr>
+        <p:blipFill>
+          <a:blip r:embed="rId6"/>
+          <a:srcRect b="28822"/>
+          <a:stretch>
+            <a:fillRect/>
+          </a:stretch>
+        </p:blipFill>
+        <p:spPr>
+          <a:xfrm>
+            <a:off x="4311650" y="238760"/>
+            <a:ext cx="2686050" cy="2494915"/>
+          </a:xfrm>
+          <a:prstGeom prst="rect">
+            <a:avLst/>
+          </a:prstGeom>
+        </p:spPr>
+      </p:pic>
       <p:graphicFrame>
         <p:nvGraphicFramePr>
-          <p:cNvPr id="3" name="Object 2">
+          <p:cNvPr id="6" name="Object 5">
             <a:hlinkClick r:id="" action="ppaction://ole?verb="/>
           </p:cNvPr>
           <p:cNvGraphicFramePr>
@@ -9182,35 +9232,35 @@
           <p:nvPr/>
         </p:nvGraphicFramePr>
         <p:xfrm>
-          <a:off x="7434580" y="800100"/>
+          <a:off x="7591425" y="800100"/>
           <a:ext cx="971550" cy="628650"/>
         </p:xfrm>
         <a:graphic>
           <a:graphicData uri="http://schemas.openxmlformats.org/presentationml/2006/ole">
             <mc:AlternateContent xmlns:mc="http://schemas.openxmlformats.org/markup-compatibility/2006">
               <mc:Choice xmlns:v="urn:schemas-microsoft-com:vml" Requires="v">
-                <p:oleObj spid="_x0000_s1025" name="" showAsIcon="1" r:id="rId5" imgW="971550" imgH="628650" progId="Package">
+                <p:oleObj spid="_x0000_s1026" name="" showAsIcon="1" r:id="rId7" imgW="971550" imgH="628650" progId="Package">
                   <p:embed/>
                 </p:oleObj>
               </mc:Choice>
               <mc:Fallback>
-                <p:oleObj name="" showAsIcon="1" r:id="rId5" imgW="971550" imgH="628650" progId="Package">
+                <p:oleObj name="" showAsIcon="1" r:id="rId7" imgW="971550" imgH="628650" progId="Package">
                   <p:embed/>
                   <p:pic>
                     <p:nvPicPr>
-                      <p:cNvPr id="0" name="Picture 1024"/>
+                      <p:cNvPr id="0" name="Picture 1025"/>
                       <p:cNvPicPr/>
                       <p:nvPr/>
                     </p:nvPicPr>
                     <p:blipFill>
-                      <a:blip r:embed="rId6"/>
+                      <a:blip r:embed="rId8"/>
                       <a:stretch>
                         <a:fillRect/>
                       </a:stretch>
                     </p:blipFill>
                     <p:spPr>
                       <a:xfrm>
-                        <a:off x="7434580" y="800100"/>
+                        <a:off x="7591425" y="800100"/>
                         <a:ext cx="971550" cy="628650"/>
                       </a:xfrm>
                       <a:prstGeom prst="rect">
@@ -9227,30 +9277,6 @@
           </a:graphicData>
         </a:graphic>
       </p:graphicFrame>
-      <p:pic>
-        <p:nvPicPr>
-          <p:cNvPr id="4" name="Picture 3"/>
-          <p:cNvPicPr>
-            <a:picLocks noChangeAspect="1"/>
-          </p:cNvPicPr>
-          <p:nvPr/>
-        </p:nvPicPr>
-        <p:blipFill>
-          <a:blip r:embed="rId7"/>
-          <a:stretch>
-            <a:fillRect/>
-          </a:stretch>
-        </p:blipFill>
-        <p:spPr>
-          <a:xfrm>
-            <a:off x="516255" y="800100"/>
-            <a:ext cx="5019675" cy="1933575"/>
-          </a:xfrm>
-          <a:prstGeom prst="rect">
-            <a:avLst/>
-          </a:prstGeom>
-        </p:spPr>
-      </p:pic>
     </p:spTree>
   </p:cSld>
   <p:clrMapOvr>
